--- a/Seaborn.pptx
+++ b/Seaborn.pptx
@@ -5,7 +5,7 @@
     <p:sldMasterId id="2147483660" r:id="rId1"/>
   </p:sldMasterIdLst>
   <p:notesMasterIdLst>
-    <p:notesMasterId r:id="rId22"/>
+    <p:notesMasterId r:id="rId24"/>
   </p:notesMasterIdLst>
   <p:sldIdLst>
     <p:sldId id="256" r:id="rId2"/>
@@ -20,14 +20,16 @@
     <p:sldId id="265" r:id="rId11"/>
     <p:sldId id="266" r:id="rId12"/>
     <p:sldId id="267" r:id="rId13"/>
-    <p:sldId id="268" r:id="rId14"/>
-    <p:sldId id="269" r:id="rId15"/>
-    <p:sldId id="270" r:id="rId16"/>
-    <p:sldId id="271" r:id="rId17"/>
-    <p:sldId id="272" r:id="rId18"/>
-    <p:sldId id="273" r:id="rId19"/>
-    <p:sldId id="274" r:id="rId20"/>
-    <p:sldId id="275" r:id="rId21"/>
+    <p:sldId id="276" r:id="rId14"/>
+    <p:sldId id="277" r:id="rId15"/>
+    <p:sldId id="268" r:id="rId16"/>
+    <p:sldId id="269" r:id="rId17"/>
+    <p:sldId id="270" r:id="rId18"/>
+    <p:sldId id="271" r:id="rId19"/>
+    <p:sldId id="272" r:id="rId20"/>
+    <p:sldId id="273" r:id="rId21"/>
+    <p:sldId id="274" r:id="rId22"/>
+    <p:sldId id="275" r:id="rId23"/>
   </p:sldIdLst>
   <p:sldSz cx="12192000" cy="6858000"/>
   <p:notesSz cx="6858000" cy="9144000"/>
@@ -126,6 +128,11 @@
       </a:defRPr>
     </a:lvl9pPr>
   </p:defaultTextStyle>
+  <p:extLst>
+    <p:ext uri="{EFAFB233-063F-42B5-8137-9DF3F51BA10A}">
+      <p15:sldGuideLst xmlns:p15="http://schemas.microsoft.com/office/powerpoint/2012/main"/>
+    </p:ext>
+  </p:extLst>
 </p:presentation>
 </file>
 
@@ -19931,6 +19938,1063 @@
 <file path=ppt/slides/slide13.xml><?xml version="1.0" encoding="utf-8"?>
 <p:sld xmlns:a="http://schemas.openxmlformats.org/drawingml/2006/main" xmlns:r="http://schemas.openxmlformats.org/officeDocument/2006/relationships" xmlns:p="http://schemas.openxmlformats.org/presentationml/2006/main">
   <p:cSld>
+    <p:spTree>
+      <p:nvGrpSpPr>
+        <p:cNvPr id="1" name=""/>
+        <p:cNvGrpSpPr/>
+        <p:nvPr/>
+      </p:nvGrpSpPr>
+      <p:grpSpPr>
+        <a:xfrm>
+          <a:off x="0" y="0"/>
+          <a:ext cx="0" cy="0"/>
+          <a:chOff x="0" y="0"/>
+          <a:chExt cx="0" cy="0"/>
+        </a:xfrm>
+      </p:grpSpPr>
+      <p:sp>
+        <p:nvSpPr>
+          <p:cNvPr id="2" name="Title 1">
+            <a:extLst>
+              <a:ext uri="{FF2B5EF4-FFF2-40B4-BE49-F238E27FC236}">
+                <a16:creationId xmlns:a16="http://schemas.microsoft.com/office/drawing/2014/main" id="{48249C9B-72DF-F8E9-14BD-D7B30BE4D9AA}"/>
+              </a:ext>
+            </a:extLst>
+          </p:cNvPr>
+          <p:cNvSpPr>
+            <a:spLocks noGrp="1"/>
+          </p:cNvSpPr>
+          <p:nvPr>
+            <p:ph type="title"/>
+          </p:nvPr>
+        </p:nvSpPr>
+        <p:spPr/>
+        <p:txBody>
+          <a:bodyPr/>
+          <a:lstStyle/>
+          <a:p>
+            <a:r>
+              <a:rPr lang="en-US" dirty="0"/>
+              <a:t>Grids</a:t>
+            </a:r>
+          </a:p>
+        </p:txBody>
+      </p:sp>
+      <p:sp>
+        <p:nvSpPr>
+          <p:cNvPr id="3" name="Content Placeholder 2">
+            <a:extLst>
+              <a:ext uri="{FF2B5EF4-FFF2-40B4-BE49-F238E27FC236}">
+                <a16:creationId xmlns:a16="http://schemas.microsoft.com/office/drawing/2014/main" id="{61B71162-33DA-3FCD-00EC-5BE9D6224ED5}"/>
+              </a:ext>
+            </a:extLst>
+          </p:cNvPr>
+          <p:cNvSpPr>
+            <a:spLocks noGrp="1"/>
+          </p:cNvSpPr>
+          <p:nvPr>
+            <p:ph idx="1"/>
+          </p:nvPr>
+        </p:nvSpPr>
+        <p:spPr/>
+        <p:txBody>
+          <a:bodyPr>
+            <a:normAutofit fontScale="92500" lnSpcReduction="10000"/>
+          </a:bodyPr>
+          <a:lstStyle/>
+          <a:p>
+            <a:r>
+              <a:rPr lang="en-GB" sz="2400" dirty="0"/>
+              <a:t>Grids are general types of plots that allow you to map plot types to rows and columns of a grid, this helps you create similar plots separated by features.</a:t>
+            </a:r>
+          </a:p>
+          <a:p>
+            <a:r>
+              <a:rPr lang="en-GB" sz="2400" dirty="0" err="1"/>
+              <a:t>Pairgrid</a:t>
+            </a:r>
+            <a:r>
+              <a:rPr lang="en-GB" sz="2400" dirty="0"/>
+              <a:t> is a subplot grid for plotting pairwise relationships in a dataset.</a:t>
+            </a:r>
+          </a:p>
+          <a:p>
+            <a:r>
+              <a:rPr lang="en-GB" sz="2400" dirty="0" err="1"/>
+              <a:t>pairplot</a:t>
+            </a:r>
+            <a:r>
+              <a:rPr lang="en-GB" sz="2400" dirty="0"/>
+              <a:t> is a simpler version of </a:t>
+            </a:r>
+            <a:r>
+              <a:rPr lang="en-GB" sz="2400" dirty="0" err="1"/>
+              <a:t>PairGrid</a:t>
+            </a:r>
+            <a:r>
+              <a:rPr lang="en-GB" sz="2400" dirty="0"/>
+              <a:t>.</a:t>
+            </a:r>
+          </a:p>
+          <a:p>
+            <a:r>
+              <a:rPr lang="en-GB" sz="2400" dirty="0" err="1"/>
+              <a:t>FacetGrid</a:t>
+            </a:r>
+            <a:r>
+              <a:rPr lang="en-GB" sz="2400" dirty="0"/>
+              <a:t> is the general way to create grids of plots based off of a feature.</a:t>
+            </a:r>
+          </a:p>
+          <a:p>
+            <a:r>
+              <a:rPr lang="en-GB" sz="2400" dirty="0" err="1"/>
+              <a:t>JointGrid</a:t>
+            </a:r>
+            <a:r>
+              <a:rPr lang="en-GB" sz="2400" dirty="0"/>
+              <a:t> is the general version for </a:t>
+            </a:r>
+            <a:r>
+              <a:rPr lang="en-GB" sz="2400" dirty="0" err="1"/>
+              <a:t>jointplot</a:t>
+            </a:r>
+            <a:r>
+              <a:rPr lang="en-GB" sz="2400" dirty="0"/>
+              <a:t>() type grids.</a:t>
+            </a:r>
+            <a:endParaRPr lang="en-US" sz="2400" dirty="0"/>
+          </a:p>
+        </p:txBody>
+      </p:sp>
+    </p:spTree>
+    <p:extLst>
+      <p:ext uri="{BB962C8B-B14F-4D97-AF65-F5344CB8AC3E}">
+        <p14:creationId xmlns:p14="http://schemas.microsoft.com/office/powerpoint/2010/main" val="3238119468"/>
+      </p:ext>
+    </p:extLst>
+  </p:cSld>
+  <p:clrMapOvr>
+    <a:masterClrMapping/>
+  </p:clrMapOvr>
+</p:sld>
+</file>
+
+<file path=ppt/slides/slide14.xml><?xml version="1.0" encoding="utf-8"?>
+<p:sld xmlns:a="http://schemas.openxmlformats.org/drawingml/2006/main" xmlns:r="http://schemas.openxmlformats.org/officeDocument/2006/relationships" xmlns:p="http://schemas.openxmlformats.org/presentationml/2006/main">
+  <p:cSld>
+    <p:bg>
+      <p:bgPr>
+        <a:solidFill>
+          <a:schemeClr val="bg1"/>
+        </a:solidFill>
+        <a:effectLst/>
+      </p:bgPr>
+    </p:bg>
+    <p:spTree>
+      <p:nvGrpSpPr>
+        <p:cNvPr id="1" name=""/>
+        <p:cNvGrpSpPr/>
+        <p:nvPr/>
+      </p:nvGrpSpPr>
+      <p:grpSpPr>
+        <a:xfrm>
+          <a:off x="0" y="0"/>
+          <a:ext cx="0" cy="0"/>
+          <a:chOff x="0" y="0"/>
+          <a:chExt cx="0" cy="0"/>
+        </a:xfrm>
+      </p:grpSpPr>
+      <p:grpSp>
+        <p:nvGrpSpPr>
+          <p:cNvPr id="14" name="Group 13">
+            <a:extLst>
+              <a:ext uri="{FF2B5EF4-FFF2-40B4-BE49-F238E27FC236}">
+                <a16:creationId xmlns:a16="http://schemas.microsoft.com/office/drawing/2014/main" id="{EED2E2BB-3846-41EB-9F1E-92C33C4A8F46}"/>
+              </a:ext>
+              <a:ext uri="{C183D7F6-B498-43B3-948B-1728B52AA6E4}">
+                <adec:decorative xmlns:adec="http://schemas.microsoft.com/office/drawing/2017/decorative" val="1"/>
+              </a:ext>
+            </a:extLst>
+          </p:cNvPr>
+          <p:cNvGrpSpPr>
+            <a:grpSpLocks noGrp="1" noUngrp="1" noRot="1" noChangeAspect="1" noMove="1" noResize="1"/>
+          </p:cNvGrpSpPr>
+          <p:nvPr>
+            <p:extLst>
+              <p:ext uri="{386F3935-93C4-4BCD-93E2-E3B085C9AB24}">
+                <p16:designElem xmlns:p16="http://schemas.microsoft.com/office/powerpoint/2015/main" val="1"/>
+              </p:ext>
+            </p:extLst>
+          </p:nvPr>
+        </p:nvGrpSpPr>
+        <p:grpSpPr>
+          <a:xfrm>
+            <a:off x="0" y="0"/>
+            <a:ext cx="12192000" cy="6858000"/>
+            <a:chOff x="0" y="0"/>
+            <a:chExt cx="12192000" cy="6858000"/>
+          </a:xfrm>
+        </p:grpSpPr>
+        <p:sp>
+          <p:nvSpPr>
+            <p:cNvPr id="15" name="Rectangle 14">
+              <a:extLst>
+                <a:ext uri="{FF2B5EF4-FFF2-40B4-BE49-F238E27FC236}">
+                  <a16:creationId xmlns:a16="http://schemas.microsoft.com/office/drawing/2014/main" id="{C73D5773-5AC9-444A-A47A-EB6656ACDC2C}"/>
+                </a:ext>
+                <a:ext uri="{C183D7F6-B498-43B3-948B-1728B52AA6E4}">
+                  <adec:decorative xmlns:adec="http://schemas.microsoft.com/office/drawing/2017/decorative" val="1"/>
+                </a:ext>
+              </a:extLst>
+            </p:cNvPr>
+            <p:cNvSpPr/>
+            <p:nvPr>
+              <p:extLst>
+                <p:ext uri="{386F3935-93C4-4BCD-93E2-E3B085C9AB24}">
+                  <p16:designElem xmlns:p16="http://schemas.microsoft.com/office/powerpoint/2015/main" val="1"/>
+                </p:ext>
+              </p:extLst>
+            </p:nvPr>
+          </p:nvSpPr>
+          <p:spPr>
+            <a:xfrm>
+              <a:off x="0" y="0"/>
+              <a:ext cx="12192000" cy="6858000"/>
+            </a:xfrm>
+            <a:prstGeom prst="rect">
+              <a:avLst/>
+            </a:prstGeom>
+            <a:blipFill>
+              <a:blip r:embed="rId2">
+                <a:duotone>
+                  <a:schemeClr val="dk2">
+                    <a:shade val="69000"/>
+                    <a:hueMod val="91000"/>
+                    <a:satMod val="164000"/>
+                    <a:lumMod val="74000"/>
+                  </a:schemeClr>
+                  <a:schemeClr val="dk2">
+                    <a:hueMod val="124000"/>
+                    <a:satMod val="140000"/>
+                    <a:lumMod val="142000"/>
+                  </a:schemeClr>
+                </a:duotone>
+              </a:blip>
+              <a:stretch>
+                <a:fillRect/>
+              </a:stretch>
+            </a:blipFill>
+            <a:ln>
+              <a:noFill/>
+            </a:ln>
+          </p:spPr>
+          <p:style>
+            <a:lnRef idx="2">
+              <a:schemeClr val="accent1">
+                <a:shade val="50000"/>
+              </a:schemeClr>
+            </a:lnRef>
+            <a:fillRef idx="1">
+              <a:schemeClr val="accent1"/>
+            </a:fillRef>
+            <a:effectRef idx="0">
+              <a:schemeClr val="accent1"/>
+            </a:effectRef>
+            <a:fontRef idx="minor">
+              <a:schemeClr val="lt1"/>
+            </a:fontRef>
+          </p:style>
+          <p:txBody>
+            <a:bodyPr/>
+            <a:lstStyle/>
+            <a:p>
+              <a:endParaRPr lang="en-US"/>
+            </a:p>
+          </p:txBody>
+        </p:sp>
+        <p:sp>
+          <p:nvSpPr>
+            <p:cNvPr id="16" name="Freeform 5">
+              <a:extLst>
+                <a:ext uri="{FF2B5EF4-FFF2-40B4-BE49-F238E27FC236}">
+                  <a16:creationId xmlns:a16="http://schemas.microsoft.com/office/drawing/2014/main" id="{81EB4475-C020-4325-AF59-31FCBFB7C542}"/>
+                </a:ext>
+                <a:ext uri="{C183D7F6-B498-43B3-948B-1728B52AA6E4}">
+                  <adec:decorative xmlns:adec="http://schemas.microsoft.com/office/drawing/2017/decorative" val="1"/>
+                </a:ext>
+              </a:extLst>
+            </p:cNvPr>
+            <p:cNvSpPr>
+              <a:spLocks noEditPoints="1"/>
+            </p:cNvSpPr>
+            <p:nvPr>
+              <p:extLst>
+                <p:ext uri="{386F3935-93C4-4BCD-93E2-E3B085C9AB24}">
+                  <p16:designElem xmlns:p16="http://schemas.microsoft.com/office/powerpoint/2015/main" val="1"/>
+                </p:ext>
+              </p:extLst>
+            </p:nvPr>
+          </p:nvSpPr>
+          <p:spPr bwMode="gray">
+            <a:xfrm>
+              <a:off x="0" y="1587"/>
+              <a:ext cx="12192000" cy="6856413"/>
+            </a:xfrm>
+            <a:custGeom>
+              <a:avLst/>
+              <a:gdLst/>
+              <a:ahLst/>
+              <a:cxnLst/>
+              <a:rect l="0" t="0" r="r" b="b"/>
+              <a:pathLst>
+                <a:path w="15356" h="8638">
+                  <a:moveTo>
+                    <a:pt x="0" y="0"/>
+                  </a:moveTo>
+                  <a:lnTo>
+                    <a:pt x="0" y="8638"/>
+                  </a:lnTo>
+                  <a:lnTo>
+                    <a:pt x="15356" y="8638"/>
+                  </a:lnTo>
+                  <a:lnTo>
+                    <a:pt x="15356" y="0"/>
+                  </a:lnTo>
+                  <a:lnTo>
+                    <a:pt x="0" y="0"/>
+                  </a:lnTo>
+                  <a:close/>
+                  <a:moveTo>
+                    <a:pt x="14748" y="8038"/>
+                  </a:moveTo>
+                  <a:lnTo>
+                    <a:pt x="600" y="8038"/>
+                  </a:lnTo>
+                  <a:lnTo>
+                    <a:pt x="600" y="592"/>
+                  </a:lnTo>
+                  <a:lnTo>
+                    <a:pt x="14748" y="592"/>
+                  </a:lnTo>
+                  <a:lnTo>
+                    <a:pt x="14748" y="8038"/>
+                  </a:lnTo>
+                  <a:close/>
+                </a:path>
+              </a:pathLst>
+            </a:custGeom>
+            <a:solidFill>
+              <a:schemeClr val="bg1"/>
+            </a:solidFill>
+            <a:ln>
+              <a:noFill/>
+            </a:ln>
+          </p:spPr>
+          <p:txBody>
+            <a:bodyPr/>
+            <a:lstStyle/>
+            <a:p>
+              <a:endParaRPr lang="en-US"/>
+            </a:p>
+          </p:txBody>
+        </p:sp>
+      </p:grpSp>
+      <p:sp>
+        <p:nvSpPr>
+          <p:cNvPr id="18" name="Rectangle 17">
+            <a:extLst>
+              <a:ext uri="{FF2B5EF4-FFF2-40B4-BE49-F238E27FC236}">
+                <a16:creationId xmlns:a16="http://schemas.microsoft.com/office/drawing/2014/main" id="{F7689D68-C339-4D5B-9DAA-E13F6BD4D575}"/>
+              </a:ext>
+              <a:ext uri="{C183D7F6-B498-43B3-948B-1728B52AA6E4}">
+                <adec:decorative xmlns:adec="http://schemas.microsoft.com/office/drawing/2017/decorative" val="1"/>
+              </a:ext>
+            </a:extLst>
+          </p:cNvPr>
+          <p:cNvSpPr>
+            <a:spLocks noGrp="1" noRot="1" noChangeAspect="1" noMove="1" noResize="1" noEditPoints="1" noAdjustHandles="1" noChangeArrowheads="1" noChangeShapeType="1" noTextEdit="1"/>
+          </p:cNvSpPr>
+          <p:nvPr>
+            <p:extLst>
+              <p:ext uri="{386F3935-93C4-4BCD-93E2-E3B085C9AB24}">
+                <p16:designElem xmlns:p16="http://schemas.microsoft.com/office/powerpoint/2015/main" val="1"/>
+              </p:ext>
+            </p:extLst>
+          </p:nvPr>
+        </p:nvSpPr>
+        <p:spPr>
+          <a:xfrm>
+            <a:off x="10437812" y="0"/>
+            <a:ext cx="685800" cy="1143000"/>
+          </a:xfrm>
+          <a:prstGeom prst="rect">
+            <a:avLst/>
+          </a:prstGeom>
+          <a:solidFill>
+            <a:schemeClr val="accent1"/>
+          </a:solidFill>
+          <a:ln>
+            <a:noFill/>
+          </a:ln>
+        </p:spPr>
+        <p:style>
+          <a:lnRef idx="1">
+            <a:schemeClr val="accent1"/>
+          </a:lnRef>
+          <a:fillRef idx="3">
+            <a:schemeClr val="accent1"/>
+          </a:fillRef>
+          <a:effectRef idx="2">
+            <a:schemeClr val="accent1"/>
+          </a:effectRef>
+          <a:fontRef idx="minor">
+            <a:schemeClr val="lt1"/>
+          </a:fontRef>
+        </p:style>
+        <p:txBody>
+          <a:bodyPr/>
+          <a:lstStyle/>
+          <a:p>
+            <a:endParaRPr lang="en-US"/>
+          </a:p>
+        </p:txBody>
+      </p:sp>
+      <p:sp>
+        <p:nvSpPr>
+          <p:cNvPr id="2" name="Title 1">
+            <a:extLst>
+              <a:ext uri="{FF2B5EF4-FFF2-40B4-BE49-F238E27FC236}">
+                <a16:creationId xmlns:a16="http://schemas.microsoft.com/office/drawing/2014/main" id="{8C2AB2A7-0889-3907-E53C-610184A3560E}"/>
+              </a:ext>
+            </a:extLst>
+          </p:cNvPr>
+          <p:cNvSpPr>
+            <a:spLocks noGrp="1"/>
+          </p:cNvSpPr>
+          <p:nvPr>
+            <p:ph type="title"/>
+          </p:nvPr>
+        </p:nvSpPr>
+        <p:spPr>
+          <a:xfrm>
+            <a:off x="8382055" y="1241266"/>
+            <a:ext cx="3161016" cy="3153753"/>
+          </a:xfrm>
+        </p:spPr>
+        <p:txBody>
+          <a:bodyPr vert="horz" lIns="91440" tIns="45720" rIns="91440" bIns="45720" rtlCol="0" anchor="b">
+            <a:normAutofit/>
+          </a:bodyPr>
+          <a:lstStyle/>
+          <a:p>
+            <a:r>
+              <a:rPr lang="en-US" sz="5400" b="0" i="0" kern="1200" dirty="0">
+                <a:solidFill>
+                  <a:schemeClr val="bg2"/>
+                </a:solidFill>
+                <a:latin typeface="+mj-lt"/>
+                <a:ea typeface="+mj-ea"/>
+                <a:cs typeface="+mj-cs"/>
+              </a:rPr>
+              <a:t>Use of Seaborn Grids</a:t>
+            </a:r>
+          </a:p>
+        </p:txBody>
+      </p:sp>
+      <p:sp>
+        <p:nvSpPr>
+          <p:cNvPr id="3" name="Content Placeholder 2">
+            <a:extLst>
+              <a:ext uri="{FF2B5EF4-FFF2-40B4-BE49-F238E27FC236}">
+                <a16:creationId xmlns:a16="http://schemas.microsoft.com/office/drawing/2014/main" id="{4A995BE9-8DC6-A9D9-B6B6-0AB8AD65AACF}"/>
+              </a:ext>
+            </a:extLst>
+          </p:cNvPr>
+          <p:cNvSpPr>
+            <a:spLocks noGrp="1"/>
+          </p:cNvSpPr>
+          <p:nvPr>
+            <p:ph idx="1"/>
+          </p:nvPr>
+        </p:nvSpPr>
+        <p:spPr>
+          <a:xfrm>
+            <a:off x="8382055" y="4591665"/>
+            <a:ext cx="3161016" cy="1113804"/>
+          </a:xfrm>
+        </p:spPr>
+        <p:txBody>
+          <a:bodyPr vert="horz" lIns="91440" tIns="45720" rIns="91440" bIns="45720" rtlCol="0" anchor="t">
+            <a:normAutofit/>
+          </a:bodyPr>
+          <a:lstStyle/>
+          <a:p>
+            <a:pPr marL="0" indent="0">
+              <a:lnSpc>
+                <a:spcPct val="90000"/>
+              </a:lnSpc>
+              <a:buNone/>
+            </a:pPr>
+            <a:r>
+              <a:rPr lang="en-US" b="0" i="0" kern="1200" cap="all" dirty="0">
+                <a:solidFill>
+                  <a:schemeClr val="accent1">
+                    <a:lumMod val="60000"/>
+                    <a:lumOff val="40000"/>
+                  </a:schemeClr>
+                </a:solidFill>
+                <a:latin typeface="+mn-lt"/>
+                <a:ea typeface="+mn-ea"/>
+                <a:cs typeface="+mn-cs"/>
+              </a:rPr>
+              <a:t>An example with use of PairGrid and FacetGrid is given in the shown figures.</a:t>
+            </a:r>
+          </a:p>
+        </p:txBody>
+      </p:sp>
+      <p:grpSp>
+        <p:nvGrpSpPr>
+          <p:cNvPr id="20" name="Group 19">
+            <a:extLst>
+              <a:ext uri="{FF2B5EF4-FFF2-40B4-BE49-F238E27FC236}">
+                <a16:creationId xmlns:a16="http://schemas.microsoft.com/office/drawing/2014/main" id="{C8F821F4-B6DB-4EC4-B2F4-CCC64AB812FE}"/>
+              </a:ext>
+              <a:ext uri="{C183D7F6-B498-43B3-948B-1728B52AA6E4}">
+                <adec:decorative xmlns:adec="http://schemas.microsoft.com/office/drawing/2017/decorative" val="1"/>
+              </a:ext>
+            </a:extLst>
+          </p:cNvPr>
+          <p:cNvGrpSpPr>
+            <a:grpSpLocks noGrp="1" noUngrp="1" noRot="1" noChangeAspect="1" noMove="1" noResize="1"/>
+          </p:cNvGrpSpPr>
+          <p:nvPr>
+            <p:extLst>
+              <p:ext uri="{386F3935-93C4-4BCD-93E2-E3B085C9AB24}">
+                <p16:designElem xmlns:p16="http://schemas.microsoft.com/office/powerpoint/2015/main" val="1"/>
+              </p:ext>
+            </p:extLst>
+          </p:nvPr>
+        </p:nvGrpSpPr>
+        <p:grpSpPr>
+          <a:xfrm>
+            <a:off x="423332" y="396837"/>
+            <a:ext cx="7906665" cy="6058999"/>
+            <a:chOff x="423332" y="396837"/>
+            <a:chExt cx="7906665" cy="6058999"/>
+          </a:xfrm>
+        </p:grpSpPr>
+        <p:sp>
+          <p:nvSpPr>
+            <p:cNvPr id="21" name="Rectangle 20">
+              <a:extLst>
+                <a:ext uri="{FF2B5EF4-FFF2-40B4-BE49-F238E27FC236}">
+                  <a16:creationId xmlns:a16="http://schemas.microsoft.com/office/drawing/2014/main" id="{6CEDE48F-DE7D-4871-954D-309A0EE9D17D}"/>
+                </a:ext>
+                <a:ext uri="{C183D7F6-B498-43B3-948B-1728B52AA6E4}">
+                  <adec:decorative xmlns:adec="http://schemas.microsoft.com/office/drawing/2017/decorative" val="1"/>
+                </a:ext>
+              </a:extLst>
+            </p:cNvPr>
+            <p:cNvSpPr/>
+            <p:nvPr>
+              <p:extLst>
+                <p:ext uri="{386F3935-93C4-4BCD-93E2-E3B085C9AB24}">
+                  <p16:designElem xmlns:p16="http://schemas.microsoft.com/office/powerpoint/2015/main" val="1"/>
+                </p:ext>
+              </p:extLst>
+            </p:nvPr>
+          </p:nvSpPr>
+          <p:spPr bwMode="gray">
+            <a:xfrm flipH="1">
+              <a:off x="423332" y="402165"/>
+              <a:ext cx="6785133" cy="6053670"/>
+            </a:xfrm>
+            <a:prstGeom prst="rect">
+              <a:avLst/>
+            </a:prstGeom>
+            <a:solidFill>
+              <a:schemeClr val="bg1"/>
+            </a:solidFill>
+            <a:ln>
+              <a:noFill/>
+            </a:ln>
+            <a:effectLst/>
+          </p:spPr>
+          <p:style>
+            <a:lnRef idx="1">
+              <a:schemeClr val="accent1"/>
+            </a:lnRef>
+            <a:fillRef idx="3">
+              <a:schemeClr val="accent1"/>
+            </a:fillRef>
+            <a:effectRef idx="2">
+              <a:schemeClr val="accent1"/>
+            </a:effectRef>
+            <a:fontRef idx="minor">
+              <a:schemeClr val="lt1"/>
+            </a:fontRef>
+          </p:style>
+          <p:txBody>
+            <a:bodyPr/>
+            <a:lstStyle/>
+            <a:p>
+              <a:endParaRPr lang="en-US"/>
+            </a:p>
+          </p:txBody>
+        </p:sp>
+        <p:sp>
+          <p:nvSpPr>
+            <p:cNvPr id="22" name="Freeform 5">
+              <a:extLst>
+                <a:ext uri="{FF2B5EF4-FFF2-40B4-BE49-F238E27FC236}">
+                  <a16:creationId xmlns:a16="http://schemas.microsoft.com/office/drawing/2014/main" id="{04FD96D5-FEA2-404A-8FA3-02AC9B97A50B}"/>
+                </a:ext>
+                <a:ext uri="{C183D7F6-B498-43B3-948B-1728B52AA6E4}">
+                  <adec:decorative xmlns:adec="http://schemas.microsoft.com/office/drawing/2017/decorative" val="1"/>
+                </a:ext>
+              </a:extLst>
+            </p:cNvPr>
+            <p:cNvSpPr/>
+            <p:nvPr>
+              <p:extLst>
+                <p:ext uri="{386F3935-93C4-4BCD-93E2-E3B085C9AB24}">
+                  <p16:designElem xmlns:p16="http://schemas.microsoft.com/office/powerpoint/2015/main" val="1"/>
+                </p:ext>
+              </p:extLst>
+            </p:nvPr>
+          </p:nvSpPr>
+          <p:spPr bwMode="gray">
+            <a:xfrm rot="5400000" flipH="1">
+              <a:off x="4616676" y="2801722"/>
+              <a:ext cx="6053670" cy="1254558"/>
+            </a:xfrm>
+            <a:custGeom>
+              <a:avLst/>
+              <a:gdLst/>
+              <a:ahLst/>
+              <a:cxnLst/>
+              <a:rect l="l" t="t" r="r" b="b"/>
+              <a:pathLst>
+                <a:path w="10000" h="8000">
+                  <a:moveTo>
+                    <a:pt x="0" y="0"/>
+                  </a:moveTo>
+                  <a:lnTo>
+                    <a:pt x="0" y="7970"/>
+                  </a:lnTo>
+                  <a:lnTo>
+                    <a:pt x="10000" y="8000"/>
+                  </a:lnTo>
+                  <a:lnTo>
+                    <a:pt x="10000" y="7"/>
+                  </a:lnTo>
+                  <a:lnTo>
+                    <a:pt x="10000" y="7"/>
+                  </a:lnTo>
+                  <a:lnTo>
+                    <a:pt x="9773" y="156"/>
+                  </a:lnTo>
+                  <a:lnTo>
+                    <a:pt x="9547" y="298"/>
+                  </a:lnTo>
+                  <a:lnTo>
+                    <a:pt x="9320" y="437"/>
+                  </a:lnTo>
+                  <a:lnTo>
+                    <a:pt x="9092" y="556"/>
+                  </a:lnTo>
+                  <a:lnTo>
+                    <a:pt x="8865" y="676"/>
+                  </a:lnTo>
+                  <a:lnTo>
+                    <a:pt x="8637" y="788"/>
+                  </a:lnTo>
+                  <a:lnTo>
+                    <a:pt x="8412" y="884"/>
+                  </a:lnTo>
+                  <a:lnTo>
+                    <a:pt x="8184" y="975"/>
+                  </a:lnTo>
+                  <a:lnTo>
+                    <a:pt x="7957" y="1058"/>
+                  </a:lnTo>
+                  <a:lnTo>
+                    <a:pt x="7734" y="1130"/>
+                  </a:lnTo>
+                  <a:lnTo>
+                    <a:pt x="7508" y="1202"/>
+                  </a:lnTo>
+                  <a:lnTo>
+                    <a:pt x="7285" y="1262"/>
+                  </a:lnTo>
+                  <a:lnTo>
+                    <a:pt x="7062" y="1309"/>
+                  </a:lnTo>
+                  <a:lnTo>
+                    <a:pt x="6840" y="1358"/>
+                  </a:lnTo>
+                  <a:lnTo>
+                    <a:pt x="6620" y="1399"/>
+                  </a:lnTo>
+                  <a:lnTo>
+                    <a:pt x="6402" y="1428"/>
+                  </a:lnTo>
+                  <a:lnTo>
+                    <a:pt x="6184" y="1453"/>
+                  </a:lnTo>
+                  <a:lnTo>
+                    <a:pt x="5968" y="1477"/>
+                  </a:lnTo>
+                  <a:lnTo>
+                    <a:pt x="5755" y="1488"/>
+                  </a:lnTo>
+                  <a:lnTo>
+                    <a:pt x="5542" y="1500"/>
+                  </a:lnTo>
+                  <a:lnTo>
+                    <a:pt x="5332" y="1506"/>
+                  </a:lnTo>
+                  <a:lnTo>
+                    <a:pt x="5124" y="1500"/>
+                  </a:lnTo>
+                  <a:lnTo>
+                    <a:pt x="4918" y="1500"/>
+                  </a:lnTo>
+                  <a:lnTo>
+                    <a:pt x="4714" y="1488"/>
+                  </a:lnTo>
+                  <a:lnTo>
+                    <a:pt x="4514" y="1470"/>
+                  </a:lnTo>
+                  <a:lnTo>
+                    <a:pt x="4316" y="1453"/>
+                  </a:lnTo>
+                  <a:lnTo>
+                    <a:pt x="4122" y="1434"/>
+                  </a:lnTo>
+                  <a:lnTo>
+                    <a:pt x="3929" y="1405"/>
+                  </a:lnTo>
+                  <a:lnTo>
+                    <a:pt x="3739" y="1374"/>
+                  </a:lnTo>
+                  <a:lnTo>
+                    <a:pt x="3553" y="1346"/>
+                  </a:lnTo>
+                  <a:lnTo>
+                    <a:pt x="3190" y="1267"/>
+                  </a:lnTo>
+                  <a:lnTo>
+                    <a:pt x="2842" y="1183"/>
+                  </a:lnTo>
+                  <a:lnTo>
+                    <a:pt x="2508" y="1095"/>
+                  </a:lnTo>
+                  <a:lnTo>
+                    <a:pt x="2192" y="998"/>
+                  </a:lnTo>
+                  <a:lnTo>
+                    <a:pt x="1890" y="897"/>
+                  </a:lnTo>
+                  <a:lnTo>
+                    <a:pt x="1610" y="788"/>
+                  </a:lnTo>
+                  <a:lnTo>
+                    <a:pt x="1347" y="681"/>
+                  </a:lnTo>
+                  <a:lnTo>
+                    <a:pt x="1105" y="574"/>
+                  </a:lnTo>
+                  <a:lnTo>
+                    <a:pt x="883" y="473"/>
+                  </a:lnTo>
+                  <a:lnTo>
+                    <a:pt x="686" y="377"/>
+                  </a:lnTo>
+                  <a:lnTo>
+                    <a:pt x="508" y="286"/>
+                  </a:lnTo>
+                  <a:lnTo>
+                    <a:pt x="358" y="210"/>
+                  </a:lnTo>
+                  <a:lnTo>
+                    <a:pt x="232" y="138"/>
+                  </a:lnTo>
+                  <a:lnTo>
+                    <a:pt x="59" y="35"/>
+                  </a:lnTo>
+                  <a:lnTo>
+                    <a:pt x="0" y="0"/>
+                  </a:lnTo>
+                  <a:lnTo>
+                    <a:pt x="0" y="0"/>
+                  </a:lnTo>
+                  <a:close/>
+                </a:path>
+              </a:pathLst>
+            </a:custGeom>
+            <a:solidFill>
+              <a:schemeClr val="bg1"/>
+            </a:solidFill>
+            <a:ln>
+              <a:noFill/>
+            </a:ln>
+          </p:spPr>
+          <p:txBody>
+            <a:bodyPr/>
+            <a:lstStyle/>
+            <a:p>
+              <a:endParaRPr lang="en-US"/>
+            </a:p>
+          </p:txBody>
+        </p:sp>
+        <p:sp>
+          <p:nvSpPr>
+            <p:cNvPr id="23" name="Freeform 5">
+              <a:extLst>
+                <a:ext uri="{FF2B5EF4-FFF2-40B4-BE49-F238E27FC236}">
+                  <a16:creationId xmlns:a16="http://schemas.microsoft.com/office/drawing/2014/main" id="{9C7ED580-F03F-4187-BEDE-78B5298689A2}"/>
+                </a:ext>
+                <a:ext uri="{C183D7F6-B498-43B3-948B-1728B52AA6E4}">
+                  <adec:decorative xmlns:adec="http://schemas.microsoft.com/office/drawing/2017/decorative" val="1"/>
+                </a:ext>
+              </a:extLst>
+            </p:cNvPr>
+            <p:cNvSpPr/>
+            <p:nvPr>
+              <p:extLst>
+                <p:ext uri="{386F3935-93C4-4BCD-93E2-E3B085C9AB24}">
+                  <p16:designElem xmlns:p16="http://schemas.microsoft.com/office/powerpoint/2015/main" val="1"/>
+                </p:ext>
+              </p:extLst>
+            </p:nvPr>
+          </p:nvSpPr>
+          <p:spPr bwMode="gray">
+            <a:xfrm rot="5677511" flipH="1">
+              <a:off x="6459831" y="1826079"/>
+              <a:ext cx="3299407" cy="440924"/>
+            </a:xfrm>
+            <a:custGeom>
+              <a:avLst/>
+              <a:gdLst/>
+              <a:ahLst/>
+              <a:cxnLst/>
+              <a:rect l="l" t="t" r="r" b="b"/>
+              <a:pathLst>
+                <a:path w="10000" h="5291">
+                  <a:moveTo>
+                    <a:pt x="85" y="2532"/>
+                  </a:moveTo>
+                  <a:cubicBezTo>
+                    <a:pt x="1736" y="3911"/>
+                    <a:pt x="7524" y="5298"/>
+                    <a:pt x="9958" y="5291"/>
+                  </a:cubicBezTo>
+                  <a:cubicBezTo>
+                    <a:pt x="9989" y="1958"/>
+                    <a:pt x="9969" y="3333"/>
+                    <a:pt x="10000" y="0"/>
+                  </a:cubicBezTo>
+                  <a:lnTo>
+                    <a:pt x="10000" y="0"/>
+                  </a:lnTo>
+                  <a:lnTo>
+                    <a:pt x="9667" y="204"/>
+                  </a:lnTo>
+                  <a:lnTo>
+                    <a:pt x="9334" y="400"/>
+                  </a:lnTo>
+                  <a:lnTo>
+                    <a:pt x="9001" y="590"/>
+                  </a:lnTo>
+                  <a:lnTo>
+                    <a:pt x="8667" y="753"/>
+                  </a:lnTo>
+                  <a:lnTo>
+                    <a:pt x="8333" y="917"/>
+                  </a:lnTo>
+                  <a:lnTo>
+                    <a:pt x="7999" y="1071"/>
+                  </a:lnTo>
+                  <a:lnTo>
+                    <a:pt x="7669" y="1202"/>
+                  </a:lnTo>
+                  <a:lnTo>
+                    <a:pt x="7333" y="1325"/>
+                  </a:lnTo>
+                  <a:lnTo>
+                    <a:pt x="7000" y="1440"/>
+                  </a:lnTo>
+                  <a:lnTo>
+                    <a:pt x="6673" y="1538"/>
+                  </a:lnTo>
+                  <a:lnTo>
+                    <a:pt x="6340" y="1636"/>
+                  </a:lnTo>
+                  <a:lnTo>
+                    <a:pt x="6013" y="1719"/>
+                  </a:lnTo>
+                  <a:lnTo>
+                    <a:pt x="5686" y="1784"/>
+                  </a:lnTo>
+                  <a:lnTo>
+                    <a:pt x="5359" y="1850"/>
+                  </a:lnTo>
+                  <a:lnTo>
+                    <a:pt x="5036" y="1906"/>
+                  </a:lnTo>
+                  <a:lnTo>
+                    <a:pt x="4717" y="1948"/>
+                  </a:lnTo>
+                  <a:lnTo>
+                    <a:pt x="4396" y="1980"/>
+                  </a:lnTo>
+                  <a:lnTo>
+                    <a:pt x="4079" y="2013"/>
+                  </a:lnTo>
+                  <a:lnTo>
+                    <a:pt x="3766" y="2029"/>
+                  </a:lnTo>
+                  <a:lnTo>
+                    <a:pt x="3454" y="2046"/>
+                  </a:lnTo>
+                  <a:lnTo>
+                    <a:pt x="3145" y="2053"/>
+                  </a:lnTo>
+                  <a:lnTo>
+                    <a:pt x="2839" y="2046"/>
+                  </a:lnTo>
+                  <a:lnTo>
+                    <a:pt x="2537" y="2046"/>
+                  </a:lnTo>
+                  <a:lnTo>
+                    <a:pt x="2238" y="2029"/>
+                  </a:lnTo>
+                  <a:lnTo>
+                    <a:pt x="1943" y="2004"/>
+                  </a:lnTo>
+                  <a:lnTo>
+                    <a:pt x="1653" y="1980"/>
+                  </a:lnTo>
+                  <a:lnTo>
+                    <a:pt x="1368" y="1955"/>
+                  </a:lnTo>
+                  <a:lnTo>
+                    <a:pt x="1085" y="1915"/>
+                  </a:lnTo>
+                  <a:lnTo>
+                    <a:pt x="806" y="1873"/>
+                  </a:lnTo>
+                  <a:lnTo>
+                    <a:pt x="533" y="1833"/>
+                  </a:lnTo>
+                  <a:lnTo>
+                    <a:pt x="0" y="1726"/>
+                  </a:lnTo>
+                  <a:cubicBezTo>
+                    <a:pt x="28" y="1995"/>
+                    <a:pt x="57" y="2263"/>
+                    <a:pt x="85" y="2532"/>
+                  </a:cubicBezTo>
+                  <a:close/>
+                </a:path>
+              </a:pathLst>
+            </a:custGeom>
+            <a:solidFill>
+              <a:schemeClr val="bg1">
+                <a:alpha val="20000"/>
+              </a:schemeClr>
+            </a:solidFill>
+            <a:ln>
+              <a:noFill/>
+            </a:ln>
+          </p:spPr>
+          <p:txBody>
+            <a:bodyPr/>
+            <a:lstStyle/>
+            <a:p>
+              <a:endParaRPr lang="en-US"/>
+            </a:p>
+          </p:txBody>
+        </p:sp>
+      </p:grpSp>
+      <p:pic>
+        <p:nvPicPr>
+          <p:cNvPr id="7" name="Picture 6">
+            <a:extLst>
+              <a:ext uri="{FF2B5EF4-FFF2-40B4-BE49-F238E27FC236}">
+                <a16:creationId xmlns:a16="http://schemas.microsoft.com/office/drawing/2014/main" id="{EA648971-E859-27B4-0F53-8539C44A983F}"/>
+              </a:ext>
+            </a:extLst>
+          </p:cNvPr>
+          <p:cNvPicPr>
+            <a:picLocks noChangeAspect="1"/>
+          </p:cNvPicPr>
+          <p:nvPr/>
+        </p:nvPicPr>
+        <p:blipFill>
+          <a:blip r:embed="rId3"/>
+          <a:stretch>
+            <a:fillRect/>
+          </a:stretch>
+        </p:blipFill>
+        <p:spPr>
+          <a:xfrm>
+            <a:off x="1109763" y="1412141"/>
+            <a:ext cx="3057864" cy="4160359"/>
+          </a:xfrm>
+          <a:prstGeom prst="rect">
+            <a:avLst/>
+          </a:prstGeom>
+        </p:spPr>
+      </p:pic>
+      <p:pic>
+        <p:nvPicPr>
+          <p:cNvPr id="9" name="Picture 8">
+            <a:extLst>
+              <a:ext uri="{FF2B5EF4-FFF2-40B4-BE49-F238E27FC236}">
+                <a16:creationId xmlns:a16="http://schemas.microsoft.com/office/drawing/2014/main" id="{192422E2-1E13-2048-18A3-1986A1AFECC8}"/>
+              </a:ext>
+            </a:extLst>
+          </p:cNvPr>
+          <p:cNvPicPr>
+            <a:picLocks noChangeAspect="1"/>
+          </p:cNvPicPr>
+          <p:nvPr/>
+        </p:nvPicPr>
+        <p:blipFill>
+          <a:blip r:embed="rId4"/>
+          <a:stretch>
+            <a:fillRect/>
+          </a:stretch>
+        </p:blipFill>
+        <p:spPr>
+          <a:xfrm>
+            <a:off x="4331353" y="1844447"/>
+            <a:ext cx="3221590" cy="3295744"/>
+          </a:xfrm>
+          <a:prstGeom prst="rect">
+            <a:avLst/>
+          </a:prstGeom>
+        </p:spPr>
+      </p:pic>
+    </p:spTree>
+    <p:extLst>
+      <p:ext uri="{BB962C8B-B14F-4D97-AF65-F5344CB8AC3E}">
+        <p14:creationId xmlns:p14="http://schemas.microsoft.com/office/powerpoint/2010/main" val="4230654160"/>
+      </p:ext>
+    </p:extLst>
+  </p:cSld>
+  <p:clrMapOvr>
+    <a:masterClrMapping/>
+  </p:clrMapOvr>
+</p:sld>
+</file>
+
+<file path=ppt/slides/slide15.xml><?xml version="1.0" encoding="utf-8"?>
+<p:sld xmlns:a="http://schemas.openxmlformats.org/drawingml/2006/main" xmlns:r="http://schemas.openxmlformats.org/officeDocument/2006/relationships" xmlns:p="http://schemas.openxmlformats.org/presentationml/2006/main">
+  <p:cSld>
     <p:bg>
       <p:bgPr>
         <a:solidFill>
@@ -21178,7 +22242,7 @@
 </p:sld>
 </file>
 
-<file path=ppt/slides/slide14.xml><?xml version="1.0" encoding="utf-8"?>
+<file path=ppt/slides/slide16.xml><?xml version="1.0" encoding="utf-8"?>
 <p:sld xmlns:a="http://schemas.openxmlformats.org/drawingml/2006/main" xmlns:r="http://schemas.openxmlformats.org/officeDocument/2006/relationships" xmlns:p="http://schemas.openxmlformats.org/presentationml/2006/main">
   <p:cSld>
     <p:bg>
@@ -21905,7 +22969,7 @@
 </p:sld>
 </file>
 
-<file path=ppt/slides/slide15.xml><?xml version="1.0" encoding="utf-8"?>
+<file path=ppt/slides/slide17.xml><?xml version="1.0" encoding="utf-8"?>
 <p:sld xmlns:a="http://schemas.openxmlformats.org/drawingml/2006/main" xmlns:r="http://schemas.openxmlformats.org/officeDocument/2006/relationships" xmlns:p="http://schemas.openxmlformats.org/presentationml/2006/main">
   <p:cSld>
     <p:bg>
@@ -23091,7 +24155,7 @@
 </p:sld>
 </file>
 
-<file path=ppt/slides/slide16.xml><?xml version="1.0" encoding="utf-8"?>
+<file path=ppt/slides/slide18.xml><?xml version="1.0" encoding="utf-8"?>
 <p:sld xmlns:a="http://schemas.openxmlformats.org/drawingml/2006/main" xmlns:r="http://schemas.openxmlformats.org/officeDocument/2006/relationships" xmlns:p="http://schemas.openxmlformats.org/presentationml/2006/main">
   <p:cSld>
     <p:bg>
@@ -23300,7 +24364,7 @@
 </p:sld>
 </file>
 
-<file path=ppt/slides/slide17.xml><?xml version="1.0" encoding="utf-8"?>
+<file path=ppt/slides/slide19.xml><?xml version="1.0" encoding="utf-8"?>
 <p:sld xmlns:a="http://schemas.openxmlformats.org/drawingml/2006/main" xmlns:r="http://schemas.openxmlformats.org/officeDocument/2006/relationships" xmlns:p="http://schemas.openxmlformats.org/presentationml/2006/main">
   <p:cSld>
     <p:bg>
@@ -24557,7 +25621,242 @@
 </p:sld>
 </file>
 
-<file path=ppt/slides/slide18.xml><?xml version="1.0" encoding="utf-8"?>
+<file path=ppt/slides/slide2.xml><?xml version="1.0" encoding="utf-8"?>
+<p:sld xmlns:a="http://schemas.openxmlformats.org/drawingml/2006/main" xmlns:r="http://schemas.openxmlformats.org/officeDocument/2006/relationships" xmlns:p="http://schemas.openxmlformats.org/presentationml/2006/main">
+  <p:cSld>
+    <p:spTree>
+      <p:nvGrpSpPr>
+        <p:cNvPr id="1" name=""/>
+        <p:cNvGrpSpPr/>
+        <p:nvPr/>
+      </p:nvGrpSpPr>
+      <p:grpSpPr>
+        <a:xfrm>
+          <a:off x="0" y="0"/>
+          <a:ext cx="0" cy="0"/>
+          <a:chOff x="0" y="0"/>
+          <a:chExt cx="0" cy="0"/>
+        </a:xfrm>
+      </p:grpSpPr>
+      <p:sp>
+        <p:nvSpPr>
+          <p:cNvPr id="2" name="Title 1">
+            <a:extLst>
+              <a:ext uri="{FF2B5EF4-FFF2-40B4-BE49-F238E27FC236}">
+                <a16:creationId xmlns:a16="http://schemas.microsoft.com/office/drawing/2014/main" id="{CBA4E9CE-6E92-83B0-9429-576810BD0DCB}"/>
+              </a:ext>
+            </a:extLst>
+          </p:cNvPr>
+          <p:cNvSpPr>
+            <a:spLocks noGrp="1"/>
+          </p:cNvSpPr>
+          <p:nvPr>
+            <p:ph type="title"/>
+          </p:nvPr>
+        </p:nvSpPr>
+        <p:spPr/>
+        <p:txBody>
+          <a:bodyPr/>
+          <a:lstStyle/>
+          <a:p>
+            <a:r>
+              <a:rPr lang="en-US" dirty="0"/>
+              <a:t>Installing Seaborn</a:t>
+            </a:r>
+          </a:p>
+        </p:txBody>
+      </p:sp>
+      <p:sp>
+        <p:nvSpPr>
+          <p:cNvPr id="3" name="Content Placeholder 2">
+            <a:extLst>
+              <a:ext uri="{FF2B5EF4-FFF2-40B4-BE49-F238E27FC236}">
+                <a16:creationId xmlns:a16="http://schemas.microsoft.com/office/drawing/2014/main" id="{6173D8F0-FDDD-3BF1-4467-77E337B2C1F2}"/>
+              </a:ext>
+            </a:extLst>
+          </p:cNvPr>
+          <p:cNvSpPr>
+            <a:spLocks noGrp="1"/>
+          </p:cNvSpPr>
+          <p:nvPr>
+            <p:ph idx="1"/>
+          </p:nvPr>
+        </p:nvSpPr>
+        <p:spPr>
+          <a:xfrm>
+            <a:off x="1154954" y="2603499"/>
+            <a:ext cx="8825659" cy="4254501"/>
+          </a:xfrm>
+        </p:spPr>
+        <p:txBody>
+          <a:bodyPr>
+            <a:normAutofit fontScale="92500" lnSpcReduction="10000"/>
+          </a:bodyPr>
+          <a:lstStyle/>
+          <a:p>
+            <a:r>
+              <a:rPr lang="en-US" sz="2000" dirty="0"/>
+              <a:t>Seaborn library can be installed using pip or </a:t>
+            </a:r>
+            <a:r>
+              <a:rPr lang="en-US" sz="2000" dirty="0" err="1"/>
+              <a:t>conda</a:t>
+            </a:r>
+            <a:r>
+              <a:rPr lang="en-US" sz="2000" dirty="0"/>
+              <a:t> distribution.</a:t>
+            </a:r>
+          </a:p>
+          <a:p>
+            <a:r>
+              <a:rPr lang="en-US" sz="2000" dirty="0"/>
+              <a:t>Either of the following commands are to be used in the command line interface or terminal to install seaborn. </a:t>
+            </a:r>
+          </a:p>
+          <a:p>
+            <a:pPr marL="457200" lvl="1" indent="0">
+              <a:buNone/>
+            </a:pPr>
+            <a:r>
+              <a:rPr lang="en-US" sz="1800" b="1" dirty="0">
+                <a:solidFill>
+                  <a:schemeClr val="tx2"/>
+                </a:solidFill>
+                <a:latin typeface="Consolas" panose="020B0609020204030204" pitchFamily="49" charset="0"/>
+              </a:rPr>
+              <a:t>pip install seaborn</a:t>
+            </a:r>
+          </a:p>
+          <a:p>
+            <a:pPr marL="457200" lvl="1" indent="0">
+              <a:buNone/>
+            </a:pPr>
+            <a:r>
+              <a:rPr lang="en-US" sz="1800" b="1" dirty="0" err="1">
+                <a:solidFill>
+                  <a:schemeClr val="tx2"/>
+                </a:solidFill>
+                <a:latin typeface="Consolas" panose="020B0609020204030204" pitchFamily="49" charset="0"/>
+              </a:rPr>
+              <a:t>conda</a:t>
+            </a:r>
+            <a:r>
+              <a:rPr lang="en-US" sz="1800" b="1" dirty="0">
+                <a:solidFill>
+                  <a:schemeClr val="tx2"/>
+                </a:solidFill>
+                <a:latin typeface="Consolas" panose="020B0609020204030204" pitchFamily="49" charset="0"/>
+              </a:rPr>
+              <a:t> install seaborn</a:t>
+            </a:r>
+            <a:endParaRPr lang="en-US" sz="1800" dirty="0"/>
+          </a:p>
+          <a:p>
+            <a:r>
+              <a:rPr lang="en-US" sz="2000" dirty="0"/>
+              <a:t>Since seaborn is open-source, its available on </a:t>
+            </a:r>
+            <a:r>
+              <a:rPr lang="en-US" sz="2000" b="1" dirty="0" err="1">
+                <a:solidFill>
+                  <a:schemeClr val="tx1"/>
+                </a:solidFill>
+                <a:hlinkClick r:id="rId2">
+                  <a:extLst>
+                    <a:ext uri="{A12FA001-AC4F-418D-AE19-62706E023703}">
+                      <ahyp:hlinkClr xmlns:ahyp="http://schemas.microsoft.com/office/drawing/2018/hyperlinkcolor" val="tx"/>
+                    </a:ext>
+                  </a:extLst>
+                </a:hlinkClick>
+              </a:rPr>
+              <a:t>Github</a:t>
+            </a:r>
+            <a:r>
+              <a:rPr lang="en-US" sz="2000" dirty="0"/>
+              <a:t>.</a:t>
+            </a:r>
+          </a:p>
+          <a:p>
+            <a:r>
+              <a:rPr lang="en-US" sz="2000" dirty="0"/>
+              <a:t>Seaborn is imported </a:t>
+            </a:r>
+            <a:r>
+              <a:rPr lang="en-US" sz="2000" dirty="0" err="1"/>
+              <a:t>conventially</a:t>
+            </a:r>
+            <a:r>
+              <a:rPr lang="en-US" sz="2000" dirty="0"/>
+              <a:t> as </a:t>
+            </a:r>
+            <a:r>
+              <a:rPr lang="en-US" sz="2000" dirty="0" err="1"/>
+              <a:t>svs</a:t>
+            </a:r>
+            <a:r>
+              <a:rPr lang="en-US" sz="2000" dirty="0"/>
+              <a:t>. You can import it using the following code. Additionally we would like for us to have our plots printed automatically, for that we’ll include the matplotlib inline statement.</a:t>
+            </a:r>
+          </a:p>
+          <a:p>
+            <a:pPr marL="457200" lvl="1" indent="0">
+              <a:buNone/>
+            </a:pPr>
+            <a:r>
+              <a:rPr lang="en-US" sz="1800" b="1" dirty="0">
+                <a:solidFill>
+                  <a:schemeClr val="tx1"/>
+                </a:solidFill>
+                <a:latin typeface="Consolas" panose="020B0609020204030204" pitchFamily="49" charset="0"/>
+              </a:rPr>
+              <a:t>import seaborn as </a:t>
+            </a:r>
+            <a:r>
+              <a:rPr lang="en-US" sz="1800" b="1" dirty="0" err="1">
+                <a:solidFill>
+                  <a:schemeClr val="tx1"/>
+                </a:solidFill>
+                <a:latin typeface="Consolas" panose="020B0609020204030204" pitchFamily="49" charset="0"/>
+              </a:rPr>
+              <a:t>sns</a:t>
+            </a:r>
+            <a:endParaRPr lang="en-US" sz="1800" b="1" dirty="0">
+              <a:solidFill>
+                <a:schemeClr val="tx1"/>
+              </a:solidFill>
+              <a:latin typeface="Consolas" panose="020B0609020204030204" pitchFamily="49" charset="0"/>
+            </a:endParaRPr>
+          </a:p>
+          <a:p>
+            <a:pPr marL="457200" lvl="1" indent="0">
+              <a:buNone/>
+            </a:pPr>
+            <a:r>
+              <a:rPr lang="en-US" sz="1800" b="1" dirty="0">
+                <a:solidFill>
+                  <a:schemeClr val="tx1"/>
+                </a:solidFill>
+                <a:latin typeface="Consolas" panose="020B0609020204030204" pitchFamily="49" charset="0"/>
+              </a:rPr>
+              <a:t>%matplotlib inline</a:t>
+            </a:r>
+          </a:p>
+        </p:txBody>
+      </p:sp>
+    </p:spTree>
+    <p:extLst>
+      <p:ext uri="{BB962C8B-B14F-4D97-AF65-F5344CB8AC3E}">
+        <p14:creationId xmlns:p14="http://schemas.microsoft.com/office/powerpoint/2010/main" val="171441223"/>
+      </p:ext>
+    </p:extLst>
+  </p:cSld>
+  <p:clrMapOvr>
+    <a:masterClrMapping/>
+  </p:clrMapOvr>
+</p:sld>
+</file>
+
+<file path=ppt/slides/slide20.xml><?xml version="1.0" encoding="utf-8"?>
 <p:sld xmlns:a="http://schemas.openxmlformats.org/drawingml/2006/main" xmlns:r="http://schemas.openxmlformats.org/officeDocument/2006/relationships" xmlns:p="http://schemas.openxmlformats.org/presentationml/2006/main">
   <p:cSld>
     <p:bg>
@@ -25735,7 +27034,7 @@
 </p:sld>
 </file>
 
-<file path=ppt/slides/slide19.xml><?xml version="1.0" encoding="utf-8"?>
+<file path=ppt/slides/slide21.xml><?xml version="1.0" encoding="utf-8"?>
 <p:sld xmlns:a="http://schemas.openxmlformats.org/drawingml/2006/main" xmlns:r="http://schemas.openxmlformats.org/officeDocument/2006/relationships" xmlns:p="http://schemas.openxmlformats.org/presentationml/2006/main">
   <p:cSld>
     <p:bg>
@@ -26992,242 +28291,7 @@
 </p:sld>
 </file>
 
-<file path=ppt/slides/slide2.xml><?xml version="1.0" encoding="utf-8"?>
-<p:sld xmlns:a="http://schemas.openxmlformats.org/drawingml/2006/main" xmlns:r="http://schemas.openxmlformats.org/officeDocument/2006/relationships" xmlns:p="http://schemas.openxmlformats.org/presentationml/2006/main">
-  <p:cSld>
-    <p:spTree>
-      <p:nvGrpSpPr>
-        <p:cNvPr id="1" name=""/>
-        <p:cNvGrpSpPr/>
-        <p:nvPr/>
-      </p:nvGrpSpPr>
-      <p:grpSpPr>
-        <a:xfrm>
-          <a:off x="0" y="0"/>
-          <a:ext cx="0" cy="0"/>
-          <a:chOff x="0" y="0"/>
-          <a:chExt cx="0" cy="0"/>
-        </a:xfrm>
-      </p:grpSpPr>
-      <p:sp>
-        <p:nvSpPr>
-          <p:cNvPr id="2" name="Title 1">
-            <a:extLst>
-              <a:ext uri="{FF2B5EF4-FFF2-40B4-BE49-F238E27FC236}">
-                <a16:creationId xmlns:a16="http://schemas.microsoft.com/office/drawing/2014/main" id="{CBA4E9CE-6E92-83B0-9429-576810BD0DCB}"/>
-              </a:ext>
-            </a:extLst>
-          </p:cNvPr>
-          <p:cNvSpPr>
-            <a:spLocks noGrp="1"/>
-          </p:cNvSpPr>
-          <p:nvPr>
-            <p:ph type="title"/>
-          </p:nvPr>
-        </p:nvSpPr>
-        <p:spPr/>
-        <p:txBody>
-          <a:bodyPr/>
-          <a:lstStyle/>
-          <a:p>
-            <a:r>
-              <a:rPr lang="en-US" dirty="0"/>
-              <a:t>Installing Seaborn</a:t>
-            </a:r>
-          </a:p>
-        </p:txBody>
-      </p:sp>
-      <p:sp>
-        <p:nvSpPr>
-          <p:cNvPr id="3" name="Content Placeholder 2">
-            <a:extLst>
-              <a:ext uri="{FF2B5EF4-FFF2-40B4-BE49-F238E27FC236}">
-                <a16:creationId xmlns:a16="http://schemas.microsoft.com/office/drawing/2014/main" id="{6173D8F0-FDDD-3BF1-4467-77E337B2C1F2}"/>
-              </a:ext>
-            </a:extLst>
-          </p:cNvPr>
-          <p:cNvSpPr>
-            <a:spLocks noGrp="1"/>
-          </p:cNvSpPr>
-          <p:nvPr>
-            <p:ph idx="1"/>
-          </p:nvPr>
-        </p:nvSpPr>
-        <p:spPr>
-          <a:xfrm>
-            <a:off x="1154954" y="2603499"/>
-            <a:ext cx="8825659" cy="4254501"/>
-          </a:xfrm>
-        </p:spPr>
-        <p:txBody>
-          <a:bodyPr>
-            <a:normAutofit fontScale="92500" lnSpcReduction="10000"/>
-          </a:bodyPr>
-          <a:lstStyle/>
-          <a:p>
-            <a:r>
-              <a:rPr lang="en-US" sz="2000" dirty="0"/>
-              <a:t>Seaborn library can be installed using pip or </a:t>
-            </a:r>
-            <a:r>
-              <a:rPr lang="en-US" sz="2000" dirty="0" err="1"/>
-              <a:t>conda</a:t>
-            </a:r>
-            <a:r>
-              <a:rPr lang="en-US" sz="2000" dirty="0"/>
-              <a:t> distribution.</a:t>
-            </a:r>
-          </a:p>
-          <a:p>
-            <a:r>
-              <a:rPr lang="en-US" sz="2000" dirty="0"/>
-              <a:t>Either of the following commands are to be used in the command line interface or terminal to install seaborn. </a:t>
-            </a:r>
-          </a:p>
-          <a:p>
-            <a:pPr marL="457200" lvl="1" indent="0">
-              <a:buNone/>
-            </a:pPr>
-            <a:r>
-              <a:rPr lang="en-US" sz="1800" b="1" dirty="0">
-                <a:solidFill>
-                  <a:schemeClr val="tx2"/>
-                </a:solidFill>
-                <a:latin typeface="Consolas" panose="020B0609020204030204" pitchFamily="49" charset="0"/>
-              </a:rPr>
-              <a:t>pip install seaborn</a:t>
-            </a:r>
-          </a:p>
-          <a:p>
-            <a:pPr marL="457200" lvl="1" indent="0">
-              <a:buNone/>
-            </a:pPr>
-            <a:r>
-              <a:rPr lang="en-US" sz="1800" b="1" dirty="0" err="1">
-                <a:solidFill>
-                  <a:schemeClr val="tx2"/>
-                </a:solidFill>
-                <a:latin typeface="Consolas" panose="020B0609020204030204" pitchFamily="49" charset="0"/>
-              </a:rPr>
-              <a:t>conda</a:t>
-            </a:r>
-            <a:r>
-              <a:rPr lang="en-US" sz="1800" b="1" dirty="0">
-                <a:solidFill>
-                  <a:schemeClr val="tx2"/>
-                </a:solidFill>
-                <a:latin typeface="Consolas" panose="020B0609020204030204" pitchFamily="49" charset="0"/>
-              </a:rPr>
-              <a:t> install seaborn</a:t>
-            </a:r>
-            <a:endParaRPr lang="en-US" sz="1800" dirty="0"/>
-          </a:p>
-          <a:p>
-            <a:r>
-              <a:rPr lang="en-US" sz="2000" dirty="0"/>
-              <a:t>Since seaborn is open-source, its available on </a:t>
-            </a:r>
-            <a:r>
-              <a:rPr lang="en-US" sz="2000" b="1" dirty="0" err="1">
-                <a:solidFill>
-                  <a:schemeClr val="tx1"/>
-                </a:solidFill>
-                <a:hlinkClick r:id="rId2">
-                  <a:extLst>
-                    <a:ext uri="{A12FA001-AC4F-418D-AE19-62706E023703}">
-                      <ahyp:hlinkClr xmlns:ahyp="http://schemas.microsoft.com/office/drawing/2018/hyperlinkcolor" val="tx"/>
-                    </a:ext>
-                  </a:extLst>
-                </a:hlinkClick>
-              </a:rPr>
-              <a:t>Github</a:t>
-            </a:r>
-            <a:r>
-              <a:rPr lang="en-US" sz="2000" dirty="0"/>
-              <a:t>.</a:t>
-            </a:r>
-          </a:p>
-          <a:p>
-            <a:r>
-              <a:rPr lang="en-US" sz="2000" dirty="0"/>
-              <a:t>Seaborn is imported </a:t>
-            </a:r>
-            <a:r>
-              <a:rPr lang="en-US" sz="2000" dirty="0" err="1"/>
-              <a:t>conventially</a:t>
-            </a:r>
-            <a:r>
-              <a:rPr lang="en-US" sz="2000" dirty="0"/>
-              <a:t> as </a:t>
-            </a:r>
-            <a:r>
-              <a:rPr lang="en-US" sz="2000" dirty="0" err="1"/>
-              <a:t>svs</a:t>
-            </a:r>
-            <a:r>
-              <a:rPr lang="en-US" sz="2000" dirty="0"/>
-              <a:t>. You can import it using the following code. Additionally we would like for us to have our plots printed automatically, for that we’ll include the matplotlib inline statement.</a:t>
-            </a:r>
-          </a:p>
-          <a:p>
-            <a:pPr marL="457200" lvl="1" indent="0">
-              <a:buNone/>
-            </a:pPr>
-            <a:r>
-              <a:rPr lang="en-US" sz="1800" b="1" dirty="0">
-                <a:solidFill>
-                  <a:schemeClr val="tx1"/>
-                </a:solidFill>
-                <a:latin typeface="Consolas" panose="020B0609020204030204" pitchFamily="49" charset="0"/>
-              </a:rPr>
-              <a:t>import seaborn as </a:t>
-            </a:r>
-            <a:r>
-              <a:rPr lang="en-US" sz="1800" b="1" dirty="0" err="1">
-                <a:solidFill>
-                  <a:schemeClr val="tx1"/>
-                </a:solidFill>
-                <a:latin typeface="Consolas" panose="020B0609020204030204" pitchFamily="49" charset="0"/>
-              </a:rPr>
-              <a:t>sns</a:t>
-            </a:r>
-            <a:endParaRPr lang="en-US" sz="1800" b="1" dirty="0">
-              <a:solidFill>
-                <a:schemeClr val="tx1"/>
-              </a:solidFill>
-              <a:latin typeface="Consolas" panose="020B0609020204030204" pitchFamily="49" charset="0"/>
-            </a:endParaRPr>
-          </a:p>
-          <a:p>
-            <a:pPr marL="457200" lvl="1" indent="0">
-              <a:buNone/>
-            </a:pPr>
-            <a:r>
-              <a:rPr lang="en-US" sz="1800" b="1" dirty="0">
-                <a:solidFill>
-                  <a:schemeClr val="tx1"/>
-                </a:solidFill>
-                <a:latin typeface="Consolas" panose="020B0609020204030204" pitchFamily="49" charset="0"/>
-              </a:rPr>
-              <a:t>%matplotlib inline</a:t>
-            </a:r>
-          </a:p>
-        </p:txBody>
-      </p:sp>
-    </p:spTree>
-    <p:extLst>
-      <p:ext uri="{BB962C8B-B14F-4D97-AF65-F5344CB8AC3E}">
-        <p14:creationId xmlns:p14="http://schemas.microsoft.com/office/powerpoint/2010/main" val="171441223"/>
-      </p:ext>
-    </p:extLst>
-  </p:cSld>
-  <p:clrMapOvr>
-    <a:masterClrMapping/>
-  </p:clrMapOvr>
-</p:sld>
-</file>
-
-<file path=ppt/slides/slide20.xml><?xml version="1.0" encoding="utf-8"?>
+<file path=ppt/slides/slide22.xml><?xml version="1.0" encoding="utf-8"?>
 <p:sld xmlns:a="http://schemas.openxmlformats.org/drawingml/2006/main" xmlns:r="http://schemas.openxmlformats.org/officeDocument/2006/relationships" xmlns:p="http://schemas.openxmlformats.org/presentationml/2006/main">
   <p:cSld>
     <p:spTree>
